--- a/Session 4-5/04 - 3 - Advanced CNNs.pptx
+++ b/Session 4-5/04 - 3 - Advanced CNNs.pptx
@@ -211,7 +211,7 @@
           <a:p>
             <a:fld id="{EFA659FB-0419-C24D-A6C0-9A1B475B1E65}" type="datetimeFigureOut">
               <a:rPr lang="en-US" smtClean="0"/>
-              <a:t>3/17/24</a:t>
+              <a:t>3/19/24</a:t>
             </a:fld>
             <a:endParaRPr lang="en-US"/>
           </a:p>
@@ -2055,7 +2055,7 @@
           <a:p>
             <a:fld id="{87C2F797-6DFD-C74C-BA29-8B3CE1E6C725}" type="datetime1">
               <a:rPr lang="en-US" smtClean="0"/>
-              <a:t>3/17/24</a:t>
+              <a:t>3/19/24</a:t>
             </a:fld>
             <a:endParaRPr lang="en-US"/>
           </a:p>
@@ -2263,7 +2263,7 @@
           <a:p>
             <a:fld id="{64FE1960-B74B-0949-9DEF-CBE661CB7825}" type="datetime1">
               <a:rPr lang="en-US" smtClean="0"/>
-              <a:t>3/17/24</a:t>
+              <a:t>3/19/24</a:t>
             </a:fld>
             <a:endParaRPr lang="en-US"/>
           </a:p>
@@ -2461,7 +2461,7 @@
           <a:p>
             <a:fld id="{91871F70-41C7-F44D-9284-EB301E270CC7}" type="datetime1">
               <a:rPr lang="en-US" smtClean="0"/>
-              <a:t>3/17/24</a:t>
+              <a:t>3/19/24</a:t>
             </a:fld>
             <a:endParaRPr lang="en-US"/>
           </a:p>
@@ -2774,7 +2774,7 @@
           <a:p>
             <a:fld id="{E33F645A-02C2-AF41-9FDB-389E34E8B990}" type="datetime1">
               <a:rPr lang="en-US" smtClean="0"/>
-              <a:t>3/17/24</a:t>
+              <a:t>3/19/24</a:t>
             </a:fld>
             <a:endParaRPr lang="en-US"/>
           </a:p>
@@ -3039,7 +3039,7 @@
           <a:p>
             <a:fld id="{AB873A4C-DE8A-2F49-8ABE-1735EE515528}" type="datetime1">
               <a:rPr lang="en-US" smtClean="0"/>
-              <a:t>3/17/24</a:t>
+              <a:t>3/19/24</a:t>
             </a:fld>
             <a:endParaRPr lang="en-US"/>
           </a:p>
@@ -3451,7 +3451,7 @@
           <a:p>
             <a:fld id="{7DA13BA6-E929-9643-AF0C-C0B90BC6EAC0}" type="datetime1">
               <a:rPr lang="en-US" smtClean="0"/>
-              <a:t>3/17/24</a:t>
+              <a:t>3/19/24</a:t>
             </a:fld>
             <a:endParaRPr lang="en-US"/>
           </a:p>
@@ -3592,7 +3592,7 @@
           <a:p>
             <a:fld id="{1062371E-C5A0-7448-8CF8-A797D242C61D}" type="datetime1">
               <a:rPr lang="en-US" smtClean="0"/>
-              <a:t>3/17/24</a:t>
+              <a:t>3/19/24</a:t>
             </a:fld>
             <a:endParaRPr lang="en-US"/>
           </a:p>
@@ -3705,7 +3705,7 @@
           <a:p>
             <a:fld id="{33C9D714-59A4-C649-915B-E960BF4AC878}" type="datetime1">
               <a:rPr lang="en-US" smtClean="0"/>
-              <a:t>3/17/24</a:t>
+              <a:t>3/19/24</a:t>
             </a:fld>
             <a:endParaRPr lang="en-US"/>
           </a:p>
@@ -4016,7 +4016,7 @@
           <a:p>
             <a:fld id="{3951679C-160D-1F41-A3C3-54837256FB50}" type="datetime1">
               <a:rPr lang="en-US" smtClean="0"/>
-              <a:t>3/17/24</a:t>
+              <a:t>3/19/24</a:t>
             </a:fld>
             <a:endParaRPr lang="en-US"/>
           </a:p>
@@ -4304,7 +4304,7 @@
           <a:p>
             <a:fld id="{296B5A14-0E14-114B-AA5F-546D4BF7B2DC}" type="datetime1">
               <a:rPr lang="en-US" smtClean="0"/>
-              <a:t>3/17/24</a:t>
+              <a:t>3/19/24</a:t>
             </a:fld>
             <a:endParaRPr lang="en-US"/>
           </a:p>
@@ -4545,7 +4545,7 @@
           <a:p>
             <a:fld id="{1A75E9CF-B19A-3C42-99C1-DBC4AFBA0816}" type="datetime1">
               <a:rPr lang="en-US" smtClean="0"/>
-              <a:t>3/17/24</a:t>
+              <a:t>3/19/24</a:t>
             </a:fld>
             <a:endParaRPr lang="en-US"/>
           </a:p>
@@ -6405,7 +6405,7 @@
         <p:spPr>
           <a:xfrm>
             <a:off x="890337" y="1940249"/>
-            <a:ext cx="10016362" cy="2985433"/>
+            <a:ext cx="10016362" cy="3262432"/>
           </a:xfrm>
           <a:prstGeom prst="rect">
             <a:avLst/>
@@ -6431,7 +6431,9 @@
               <a:buChar char="•"/>
             </a:pPr>
             <a:r>
-              <a:rPr lang="en-US" dirty="0"/>
+              <a:rPr lang="en-US" dirty="0">
+                <a:latin typeface="Quicksand" pitchFamily="2" charset="77"/>
+              </a:rPr>
               <a:t>Mitigating vanishing gradients in deep networks.</a:t>
             </a:r>
           </a:p>
@@ -6456,7 +6458,9 @@
               <a:buChar char="•"/>
             </a:pPr>
             <a:r>
-              <a:rPr lang="en-US" dirty="0"/>
+              <a:rPr lang="en-US" dirty="0">
+                <a:latin typeface="Quicksand" pitchFamily="2" charset="77"/>
+              </a:rPr>
               <a:t>Image segmentation, Image super-resolution.</a:t>
             </a:r>
           </a:p>
@@ -6466,7 +6470,9 @@
               <a:buChar char="•"/>
             </a:pPr>
             <a:r>
-              <a:rPr lang="en-US" dirty="0"/>
+              <a:rPr lang="en-US" dirty="0">
+                <a:latin typeface="Quicksand" pitchFamily="2" charset="77"/>
+              </a:rPr>
               <a:t>Transpose convolution operations for up-sampling.</a:t>
             </a:r>
           </a:p>
@@ -6489,7 +6495,9 @@
               <a:buChar char="•"/>
             </a:pPr>
             <a:r>
-              <a:rPr lang="en-US" dirty="0"/>
+              <a:rPr lang="en-US" dirty="0">
+                <a:latin typeface="Quicksand" pitchFamily="2" charset="77"/>
+              </a:rPr>
               <a:t>Try to visualize what components of an image your model’s feature extractions are detecting.</a:t>
             </a:r>
           </a:p>
@@ -6747,7 +6755,7 @@
         <p:spPr>
           <a:xfrm>
             <a:off x="901626" y="1770915"/>
-            <a:ext cx="10016362" cy="2092881"/>
+            <a:ext cx="10016362" cy="2369880"/>
           </a:xfrm>
           <a:prstGeom prst="rect">
             <a:avLst/>
@@ -6773,7 +6781,9 @@
               <a:buChar char="•"/>
             </a:pPr>
             <a:r>
-              <a:rPr lang="en-US" dirty="0"/>
+              <a:rPr lang="en-US" dirty="0">
+                <a:latin typeface="Quicksand" pitchFamily="2" charset="77"/>
+              </a:rPr>
               <a:t>As we approach 0 or 1 at a node’s output, changes to input parameters have little impact...</a:t>
             </a:r>
           </a:p>
@@ -6798,7 +6808,9 @@
               <a:buChar char="•"/>
             </a:pPr>
             <a:r>
-              <a:rPr lang="en-US" dirty="0"/>
+              <a:rPr lang="en-US" dirty="0">
+                <a:latin typeface="Quicksand" pitchFamily="2" charset="77"/>
+              </a:rPr>
               <a:t>For deep networks, parameters at front of network tend to have a much smaller influence on ultimate loss function. Accordingly, gradients for those early parameters can be very small. </a:t>
             </a:r>
           </a:p>
@@ -6902,7 +6914,7 @@
         <p:spPr>
           <a:xfrm>
             <a:off x="901626" y="1770915"/>
-            <a:ext cx="10016362" cy="1508105"/>
+            <a:ext cx="10016362" cy="2062103"/>
           </a:xfrm>
           <a:prstGeom prst="rect">
             <a:avLst/>
@@ -6928,15 +6940,21 @@
               <a:buChar char="•"/>
             </a:pPr>
             <a:r>
-              <a:rPr lang="en-US" dirty="0"/>
+              <a:rPr lang="en-US" dirty="0">
+                <a:latin typeface="Quicksand" pitchFamily="2" charset="77"/>
+              </a:rPr>
               <a:t>We include feed-forward layers as usual, but we also add short-cut connections </a:t>
             </a:r>
             <a:r>
-              <a:rPr lang="en-US" i="1" dirty="0"/>
+              <a:rPr lang="en-US" i="1" dirty="0">
+                <a:latin typeface="Quicksand" pitchFamily="2" charset="77"/>
+              </a:rPr>
               <a:t>around </a:t>
             </a:r>
             <a:r>
-              <a:rPr lang="en-US" dirty="0"/>
+              <a:rPr lang="en-US" dirty="0">
+                <a:latin typeface="Quicksand" pitchFamily="2" charset="77"/>
+              </a:rPr>
               <a:t>the layers.</a:t>
             </a:r>
           </a:p>
@@ -6946,7 +6964,9 @@
               <a:buChar char="•"/>
             </a:pPr>
             <a:r>
-              <a:rPr lang="en-US" dirty="0"/>
+              <a:rPr lang="en-US" dirty="0">
+                <a:latin typeface="Quicksand" pitchFamily="2" charset="77"/>
+              </a:rPr>
               <a:t>We typically incorporate these residual connections either via an ‘Add’ layer or a ‘Concatenate’ layer.</a:t>
             </a:r>
           </a:p>
@@ -6956,7 +6976,9 @@
               <a:buChar char="•"/>
             </a:pPr>
             <a:r>
-              <a:rPr lang="en-US" dirty="0"/>
+              <a:rPr lang="en-US" dirty="0">
+                <a:latin typeface="Quicksand" pitchFamily="2" charset="77"/>
+              </a:rPr>
               <a:t>Note that conformity of the tensor shapes will be very important here – you’ll start encountering shape conformity errors if you are not careful!</a:t>
             </a:r>
           </a:p>
@@ -6991,7 +7013,7 @@
         </p:blipFill>
         <p:spPr bwMode="auto">
           <a:xfrm>
-            <a:off x="2282713" y="3607400"/>
+            <a:off x="2282713" y="3899419"/>
             <a:ext cx="2722051" cy="2439376"/>
           </a:xfrm>
           <a:prstGeom prst="rect">
@@ -7031,7 +7053,7 @@
         </p:blipFill>
         <p:spPr>
           <a:xfrm>
-            <a:off x="5797073" y="3649602"/>
+            <a:off x="5808362" y="4085536"/>
             <a:ext cx="6006616" cy="2067142"/>
           </a:xfrm>
           <a:prstGeom prst="rect">
@@ -7148,7 +7170,9 @@
               <a:buChar char="•"/>
             </a:pPr>
             <a:r>
-              <a:rPr lang="en-US" dirty="0"/>
+              <a:rPr lang="en-US" dirty="0">
+                <a:latin typeface="Quicksand" pitchFamily="2" charset="77"/>
+              </a:rPr>
               <a:t>Take a high-resolution image, pixelate it, then try to predict the high resolution from the pixelated version.</a:t>
             </a:r>
           </a:p>
@@ -7158,7 +7182,9 @@
               <a:buChar char="•"/>
             </a:pPr>
             <a:r>
-              <a:rPr lang="en-US" i="1" dirty="0"/>
+              <a:rPr lang="en-US" dirty="0">
+                <a:latin typeface="Quicksand" pitchFamily="2" charset="77"/>
+              </a:rPr>
               <a:t>Q: What kind of activation and loss function will make sense in this task? </a:t>
             </a:r>
           </a:p>
@@ -7412,7 +7438,9 @@
               <a:buChar char="•"/>
             </a:pPr>
             <a:r>
-              <a:rPr lang="en-US" dirty="0"/>
+              <a:rPr lang="en-US" dirty="0">
+                <a:latin typeface="Quicksand" pitchFamily="2" charset="77"/>
+              </a:rPr>
               <a:t>Take an image and its segment mask, then try to predict the segment associated with each pixel from the original picture. </a:t>
             </a:r>
           </a:p>
@@ -7422,7 +7450,9 @@
               <a:buChar char="•"/>
             </a:pPr>
             <a:r>
-              <a:rPr lang="en-US" i="1" dirty="0"/>
+              <a:rPr lang="en-US" dirty="0">
+                <a:latin typeface="Quicksand" pitchFamily="2" charset="77"/>
+              </a:rPr>
               <a:t>Q: What kind of activation function and loss function will make sense in this task? </a:t>
             </a:r>
           </a:p>
@@ -7604,7 +7634,7 @@
         </p:nvSpPr>
         <p:spPr>
           <a:xfrm>
-            <a:off x="856471" y="1973815"/>
+            <a:off x="856471" y="1758271"/>
             <a:ext cx="10016362" cy="2062103"/>
           </a:xfrm>
           <a:prstGeom prst="rect">
@@ -7631,7 +7661,9 @@
               <a:buChar char="•"/>
             </a:pPr>
             <a:r>
-              <a:rPr lang="en-US" dirty="0"/>
+              <a:rPr lang="en-US" dirty="0">
+                <a:latin typeface="Quicksand" pitchFamily="2" charset="77"/>
+              </a:rPr>
               <a:t>Down-sample and then Up-sample back to same dimensionality</a:t>
             </a:r>
           </a:p>
@@ -7641,7 +7673,9 @@
               <a:buChar char="•"/>
             </a:pPr>
             <a:r>
-              <a:rPr lang="en-US" dirty="0"/>
+              <a:rPr lang="en-US" dirty="0">
+                <a:latin typeface="Quicksand" pitchFamily="2" charset="77"/>
+              </a:rPr>
               <a:t>We do not use down-sample using pooling (because they force attention to the whole image as we learn higher level features). Instead, we use larger strides. This enables ‘dimensionality’ reduction while maintaining a focus on local portions of the image.</a:t>
             </a:r>
           </a:p>
@@ -7651,7 +7685,9 @@
               <a:buChar char="•"/>
             </a:pPr>
             <a:r>
-              <a:rPr lang="en-US" dirty="0"/>
+              <a:rPr lang="en-US" dirty="0">
+                <a:latin typeface="Quicksand" pitchFamily="2" charset="77"/>
+              </a:rPr>
               <a:t>We then ‘up-sample’ back to the original dimensionality using a transpose of the convolutional operation. This is a form of autoencoder architecture.</a:t>
             </a:r>
           </a:p>

--- a/Session 4-5/04 - 3 - Advanced CNNs.pptx
+++ b/Session 4-5/04 - 3 - Advanced CNNs.pptx
@@ -7143,7 +7143,7 @@
         </p:nvSpPr>
         <p:spPr>
           <a:xfrm>
-            <a:off x="879048" y="2074851"/>
+            <a:off x="879048" y="1756353"/>
             <a:ext cx="10016362" cy="1231106"/>
           </a:xfrm>
           <a:prstGeom prst="rect">
@@ -7411,7 +7411,7 @@
         </p:nvSpPr>
         <p:spPr>
           <a:xfrm>
-            <a:off x="856471" y="1973815"/>
+            <a:off x="856471" y="1854081"/>
             <a:ext cx="10016362" cy="1231106"/>
           </a:xfrm>
           <a:prstGeom prst="rect">
